--- a/documents/NMC/NMC4_splash_slide.pptx
+++ b/documents/NMC/NMC4_splash_slide.pptx
@@ -4460,8 +4460,8 @@
           </a:p>
         </p:txBody>
       </p:sp>
-      <mc:AlternateContent xmlns:mc="http://schemas.openxmlformats.org/markup-compatibility/2006">
-        <mc:Choice xmlns:a14="http://schemas.microsoft.com/office/drawing/2010/main" Requires="a14">
+      <mc:AlternateContent xmlns:mc="http://schemas.openxmlformats.org/markup-compatibility/2006" xmlns:a14="http://schemas.microsoft.com/office/drawing/2010/main">
+        <mc:Choice Requires="a14">
           <p:sp>
             <p:nvSpPr>
               <p:cNvPr id="4" name="TextBox 3">
@@ -5231,7 +5231,7 @@
             </p:txBody>
           </p:sp>
         </mc:Choice>
-        <mc:Fallback>
+        <mc:Fallback xmlns="">
           <p:sp>
             <p:nvSpPr>
               <p:cNvPr id="4" name="TextBox 3">
@@ -5420,8 +5420,8 @@
           </a:p>
         </p:txBody>
       </p:sp>
-      <mc:AlternateContent xmlns:mc="http://schemas.openxmlformats.org/markup-compatibility/2006">
-        <mc:Choice xmlns:a14="http://schemas.microsoft.com/office/drawing/2010/main" Requires="a14">
+      <mc:AlternateContent xmlns:mc="http://schemas.openxmlformats.org/markup-compatibility/2006" xmlns:a14="http://schemas.microsoft.com/office/drawing/2010/main">
+        <mc:Choice Requires="a14">
           <p:sp>
             <p:nvSpPr>
               <p:cNvPr id="4" name="TextBox 3">
@@ -5514,6 +5514,7 @@
                 <a:endParaRPr lang="en-US" sz="1900" dirty="0"/>
               </a:p>
               <a:p>
+                <a:pPr/>
                 <a14:m>
                   <m:oMathPara xmlns:m="http://schemas.openxmlformats.org/officeDocument/2006/math">
                     <m:oMathParaPr>
@@ -6418,7 +6419,7 @@
             </p:txBody>
           </p:sp>
         </mc:Choice>
-        <mc:Fallback>
+        <mc:Fallback xmlns="">
           <p:sp>
             <p:nvSpPr>
               <p:cNvPr id="4" name="TextBox 3">
@@ -6566,8 +6567,8 @@
           </a:p>
         </p:txBody>
       </p:sp>
-      <mc:AlternateContent xmlns:mc="http://schemas.openxmlformats.org/markup-compatibility/2006">
-        <mc:Choice xmlns:a14="http://schemas.microsoft.com/office/drawing/2010/main" Requires="a14">
+      <mc:AlternateContent xmlns:mc="http://schemas.openxmlformats.org/markup-compatibility/2006" xmlns:a14="http://schemas.microsoft.com/office/drawing/2010/main">
+        <mc:Choice Requires="a14">
           <p:sp>
             <p:nvSpPr>
               <p:cNvPr id="4" name="TextBox 3">
@@ -9064,7 +9065,7 @@
             </p:txBody>
           </p:sp>
         </mc:Choice>
-        <mc:Fallback>
+        <mc:Fallback xmlns="">
           <p:sp>
             <p:nvSpPr>
               <p:cNvPr id="4" name="TextBox 3">
@@ -9212,8 +9213,8 @@
           </a:p>
         </p:txBody>
       </p:sp>
-      <mc:AlternateContent xmlns:mc="http://schemas.openxmlformats.org/markup-compatibility/2006">
-        <mc:Choice xmlns:a14="http://schemas.microsoft.com/office/drawing/2010/main" Requires="a14">
+      <mc:AlternateContent xmlns:mc="http://schemas.openxmlformats.org/markup-compatibility/2006" xmlns:a14="http://schemas.microsoft.com/office/drawing/2010/main">
+        <mc:Choice Requires="a14">
           <p:sp>
             <p:nvSpPr>
               <p:cNvPr id="4" name="TextBox 3">
@@ -9389,7 +9390,7 @@
             </p:txBody>
           </p:sp>
         </mc:Choice>
-        <mc:Fallback>
+        <mc:Fallback xmlns="">
           <p:sp>
             <p:nvSpPr>
               <p:cNvPr id="4" name="TextBox 3">
@@ -9748,47 +9749,6 @@
           </a:p>
         </p:txBody>
       </p:sp>
-      <p:pic>
-        <p:nvPicPr>
-          <p:cNvPr id="8" name="Picture 7">
-            <a:extLst>
-              <a:ext uri="{FF2B5EF4-FFF2-40B4-BE49-F238E27FC236}">
-                <a16:creationId xmlns:a16="http://schemas.microsoft.com/office/drawing/2014/main" id="{0F94A11D-FD9D-4906-B1AB-AAFB771664A1}"/>
-              </a:ext>
-            </a:extLst>
-          </p:cNvPr>
-          <p:cNvPicPr>
-            <a:picLocks noChangeAspect="1"/>
-          </p:cNvPicPr>
-          <p:nvPr/>
-        </p:nvPicPr>
-        <p:blipFill>
-          <a:blip r:embed="rId3">
-            <a:extLst>
-              <a:ext uri="{28A0092B-C50C-407E-A947-70E740481C1C}">
-                <a14:useLocalDpi xmlns:a14="http://schemas.microsoft.com/office/drawing/2010/main" val="0"/>
-              </a:ext>
-            </a:extLst>
-          </a:blip>
-          <a:srcRect/>
-          <a:stretch>
-            <a:fillRect/>
-          </a:stretch>
-        </p:blipFill>
-        <p:spPr bwMode="auto">
-          <a:xfrm>
-            <a:off x="4485531" y="1253899"/>
-            <a:ext cx="4824593" cy="3618876"/>
-          </a:xfrm>
-          <a:prstGeom prst="rect">
-            <a:avLst/>
-          </a:prstGeom>
-          <a:noFill/>
-          <a:ln>
-            <a:noFill/>
-          </a:ln>
-        </p:spPr>
-      </p:pic>
       <p:sp>
         <p:nvSpPr>
           <p:cNvPr id="9" name="TextBox 8">
@@ -9821,11 +9781,52 @@
               <a:rPr lang="en-US" sz="1900" dirty="0">
                 <a:sym typeface="Wingdings" panose="05000000000000000000" pitchFamily="2" charset="2"/>
               </a:rPr>
-              <a:t>Results for 71 neurons</a:t>
+              <a:t>Results for 74 neurons</a:t>
             </a:r>
           </a:p>
         </p:txBody>
       </p:sp>
+      <p:pic>
+        <p:nvPicPr>
+          <p:cNvPr id="10" name="Picture 9">
+            <a:extLst>
+              <a:ext uri="{FF2B5EF4-FFF2-40B4-BE49-F238E27FC236}">
+                <a16:creationId xmlns:a16="http://schemas.microsoft.com/office/drawing/2014/main" id="{3CCC3F50-BDFC-414A-8D27-3D731B37E624}"/>
+              </a:ext>
+            </a:extLst>
+          </p:cNvPr>
+          <p:cNvPicPr>
+            <a:picLocks noChangeAspect="1"/>
+          </p:cNvPicPr>
+          <p:nvPr/>
+        </p:nvPicPr>
+        <p:blipFill>
+          <a:blip r:embed="rId3">
+            <a:extLst>
+              <a:ext uri="{28A0092B-C50C-407E-A947-70E740481C1C}">
+                <a14:useLocalDpi xmlns:a14="http://schemas.microsoft.com/office/drawing/2010/main" val="0"/>
+              </a:ext>
+            </a:extLst>
+          </a:blip>
+          <a:srcRect/>
+          <a:stretch>
+            <a:fillRect/>
+          </a:stretch>
+        </p:blipFill>
+        <p:spPr bwMode="auto">
+          <a:xfrm>
+            <a:off x="4475979" y="1319892"/>
+            <a:ext cx="4668021" cy="3501433"/>
+          </a:xfrm>
+          <a:prstGeom prst="rect">
+            <a:avLst/>
+          </a:prstGeom>
+          <a:noFill/>
+          <a:ln>
+            <a:noFill/>
+          </a:ln>
+        </p:spPr>
+      </p:pic>
     </p:spTree>
     <p:extLst>
       <p:ext uri="{BB962C8B-B14F-4D97-AF65-F5344CB8AC3E}">

--- a/documents/NMC/NMC4_splash_slide.pptx
+++ b/documents/NMC/NMC4_splash_slide.pptx
@@ -4460,8 +4460,8 @@
           </a:p>
         </p:txBody>
       </p:sp>
-      <mc:AlternateContent xmlns:mc="http://schemas.openxmlformats.org/markup-compatibility/2006" xmlns:a14="http://schemas.microsoft.com/office/drawing/2010/main">
-        <mc:Choice Requires="a14">
+      <mc:AlternateContent xmlns:mc="http://schemas.openxmlformats.org/markup-compatibility/2006">
+        <mc:Choice xmlns:a14="http://schemas.microsoft.com/office/drawing/2010/main" Requires="a14">
           <p:sp>
             <p:nvSpPr>
               <p:cNvPr id="4" name="TextBox 3">
@@ -5231,7 +5231,7 @@
             </p:txBody>
           </p:sp>
         </mc:Choice>
-        <mc:Fallback xmlns="">
+        <mc:Fallback>
           <p:sp>
             <p:nvSpPr>
               <p:cNvPr id="4" name="TextBox 3">
@@ -5420,8 +5420,8 @@
           </a:p>
         </p:txBody>
       </p:sp>
-      <mc:AlternateContent xmlns:mc="http://schemas.openxmlformats.org/markup-compatibility/2006" xmlns:a14="http://schemas.microsoft.com/office/drawing/2010/main">
-        <mc:Choice Requires="a14">
+      <mc:AlternateContent xmlns:mc="http://schemas.openxmlformats.org/markup-compatibility/2006">
+        <mc:Choice xmlns:a14="http://schemas.microsoft.com/office/drawing/2010/main" Requires="a14">
           <p:sp>
             <p:nvSpPr>
               <p:cNvPr id="4" name="TextBox 3">
@@ -5514,7 +5514,6 @@
                 <a:endParaRPr lang="en-US" sz="1900" dirty="0"/>
               </a:p>
               <a:p>
-                <a:pPr/>
                 <a14:m>
                   <m:oMathPara xmlns:m="http://schemas.openxmlformats.org/officeDocument/2006/math">
                     <m:oMathParaPr>
@@ -6419,7 +6418,7 @@
             </p:txBody>
           </p:sp>
         </mc:Choice>
-        <mc:Fallback xmlns="">
+        <mc:Fallback>
           <p:sp>
             <p:nvSpPr>
               <p:cNvPr id="4" name="TextBox 3">
@@ -6567,8 +6566,8 @@
           </a:p>
         </p:txBody>
       </p:sp>
-      <mc:AlternateContent xmlns:mc="http://schemas.openxmlformats.org/markup-compatibility/2006" xmlns:a14="http://schemas.microsoft.com/office/drawing/2010/main">
-        <mc:Choice Requires="a14">
+      <mc:AlternateContent xmlns:mc="http://schemas.openxmlformats.org/markup-compatibility/2006">
+        <mc:Choice xmlns:a14="http://schemas.microsoft.com/office/drawing/2010/main" Requires="a14">
           <p:sp>
             <p:nvSpPr>
               <p:cNvPr id="4" name="TextBox 3">
@@ -9065,7 +9064,7 @@
             </p:txBody>
           </p:sp>
         </mc:Choice>
-        <mc:Fallback xmlns="">
+        <mc:Fallback>
           <p:sp>
             <p:nvSpPr>
               <p:cNvPr id="4" name="TextBox 3">
@@ -9213,8 +9212,8 @@
           </a:p>
         </p:txBody>
       </p:sp>
-      <mc:AlternateContent xmlns:mc="http://schemas.openxmlformats.org/markup-compatibility/2006" xmlns:a14="http://schemas.microsoft.com/office/drawing/2010/main">
-        <mc:Choice Requires="a14">
+      <mc:AlternateContent xmlns:mc="http://schemas.openxmlformats.org/markup-compatibility/2006">
+        <mc:Choice xmlns:a14="http://schemas.microsoft.com/office/drawing/2010/main" Requires="a14">
           <p:sp>
             <p:nvSpPr>
               <p:cNvPr id="4" name="TextBox 3">
@@ -9390,7 +9389,7 @@
             </p:txBody>
           </p:sp>
         </mc:Choice>
-        <mc:Fallback xmlns="">
+        <mc:Fallback>
           <p:sp>
             <p:nvSpPr>
               <p:cNvPr id="4" name="TextBox 3">
@@ -9749,6 +9748,47 @@
           </a:p>
         </p:txBody>
       </p:sp>
+      <p:pic>
+        <p:nvPicPr>
+          <p:cNvPr id="8" name="Picture 7">
+            <a:extLst>
+              <a:ext uri="{FF2B5EF4-FFF2-40B4-BE49-F238E27FC236}">
+                <a16:creationId xmlns:a16="http://schemas.microsoft.com/office/drawing/2014/main" id="{0F94A11D-FD9D-4906-B1AB-AAFB771664A1}"/>
+              </a:ext>
+            </a:extLst>
+          </p:cNvPr>
+          <p:cNvPicPr>
+            <a:picLocks noChangeAspect="1"/>
+          </p:cNvPicPr>
+          <p:nvPr/>
+        </p:nvPicPr>
+        <p:blipFill>
+          <a:blip r:embed="rId3">
+            <a:extLst>
+              <a:ext uri="{28A0092B-C50C-407E-A947-70E740481C1C}">
+                <a14:useLocalDpi xmlns:a14="http://schemas.microsoft.com/office/drawing/2010/main" val="0"/>
+              </a:ext>
+            </a:extLst>
+          </a:blip>
+          <a:srcRect/>
+          <a:stretch>
+            <a:fillRect/>
+          </a:stretch>
+        </p:blipFill>
+        <p:spPr bwMode="auto">
+          <a:xfrm>
+            <a:off x="4485531" y="1253899"/>
+            <a:ext cx="4824593" cy="3618876"/>
+          </a:xfrm>
+          <a:prstGeom prst="rect">
+            <a:avLst/>
+          </a:prstGeom>
+          <a:noFill/>
+          <a:ln>
+            <a:noFill/>
+          </a:ln>
+        </p:spPr>
+      </p:pic>
       <p:sp>
         <p:nvSpPr>
           <p:cNvPr id="9" name="TextBox 8">
@@ -9781,52 +9821,11 @@
               <a:rPr lang="en-US" sz="1900" dirty="0">
                 <a:sym typeface="Wingdings" panose="05000000000000000000" pitchFamily="2" charset="2"/>
               </a:rPr>
-              <a:t>Results for 74 neurons</a:t>
+              <a:t>Results for 71 neurons</a:t>
             </a:r>
           </a:p>
         </p:txBody>
       </p:sp>
-      <p:pic>
-        <p:nvPicPr>
-          <p:cNvPr id="10" name="Picture 9">
-            <a:extLst>
-              <a:ext uri="{FF2B5EF4-FFF2-40B4-BE49-F238E27FC236}">
-                <a16:creationId xmlns:a16="http://schemas.microsoft.com/office/drawing/2014/main" id="{3CCC3F50-BDFC-414A-8D27-3D731B37E624}"/>
-              </a:ext>
-            </a:extLst>
-          </p:cNvPr>
-          <p:cNvPicPr>
-            <a:picLocks noChangeAspect="1"/>
-          </p:cNvPicPr>
-          <p:nvPr/>
-        </p:nvPicPr>
-        <p:blipFill>
-          <a:blip r:embed="rId3">
-            <a:extLst>
-              <a:ext uri="{28A0092B-C50C-407E-A947-70E740481C1C}">
-                <a14:useLocalDpi xmlns:a14="http://schemas.microsoft.com/office/drawing/2010/main" val="0"/>
-              </a:ext>
-            </a:extLst>
-          </a:blip>
-          <a:srcRect/>
-          <a:stretch>
-            <a:fillRect/>
-          </a:stretch>
-        </p:blipFill>
-        <p:spPr bwMode="auto">
-          <a:xfrm>
-            <a:off x="4475979" y="1319892"/>
-            <a:ext cx="4668021" cy="3501433"/>
-          </a:xfrm>
-          <a:prstGeom prst="rect">
-            <a:avLst/>
-          </a:prstGeom>
-          <a:noFill/>
-          <a:ln>
-            <a:noFill/>
-          </a:ln>
-        </p:spPr>
-      </p:pic>
     </p:spTree>
     <p:extLst>
       <p:ext uri="{BB962C8B-B14F-4D97-AF65-F5344CB8AC3E}">

--- a/documents/NMC/NMC4_splash_slide.pptx
+++ b/documents/NMC/NMC4_splash_slide.pptx
@@ -5,7 +5,7 @@
     <p:sldMasterId id="2147483650" r:id="rId1"/>
   </p:sldMasterIdLst>
   <p:notesMasterIdLst>
-    <p:notesMasterId r:id="rId10"/>
+    <p:notesMasterId r:id="rId11"/>
   </p:notesMasterIdLst>
   <p:sldIdLst>
     <p:sldId id="256" r:id="rId2"/>
@@ -15,28 +15,29 @@
     <p:sldId id="260" r:id="rId6"/>
     <p:sldId id="262" r:id="rId7"/>
     <p:sldId id="264" r:id="rId8"/>
-    <p:sldId id="263" r:id="rId9"/>
+    <p:sldId id="265" r:id="rId9"/>
+    <p:sldId id="266" r:id="rId10"/>
   </p:sldIdLst>
   <p:sldSz cx="9144000" cy="5143500" type="screen16x9"/>
   <p:notesSz cx="6858000" cy="9144000"/>
   <p:embeddedFontLst>
     <p:embeddedFont>
       <p:font typeface="Calibri" panose="020F0502020204030204" pitchFamily="34" charset="0"/>
-      <p:regular r:id="rId11"/>
-      <p:bold r:id="rId12"/>
-      <p:italic r:id="rId13"/>
-      <p:boldItalic r:id="rId14"/>
+      <p:regular r:id="rId12"/>
+      <p:bold r:id="rId13"/>
+      <p:italic r:id="rId14"/>
+      <p:boldItalic r:id="rId15"/>
     </p:embeddedFont>
     <p:embeddedFont>
       <p:font typeface="Cambria Math" panose="02040503050406030204" pitchFamily="18" charset="0"/>
-      <p:regular r:id="rId15"/>
+      <p:regular r:id="rId16"/>
     </p:embeddedFont>
     <p:embeddedFont>
       <p:font typeface="Proxima Nova" panose="020B0604020202020204" charset="0"/>
-      <p:regular r:id="rId16"/>
-      <p:bold r:id="rId17"/>
-      <p:italic r:id="rId18"/>
-      <p:boldItalic r:id="rId19"/>
+      <p:regular r:id="rId17"/>
+      <p:bold r:id="rId18"/>
+      <p:italic r:id="rId19"/>
+      <p:boldItalic r:id="rId20"/>
     </p:embeddedFont>
   </p:embeddedFontLst>
   <p:defaultTextStyle>
@@ -3722,7 +3723,26 @@
               <a:rPr lang="en-US" dirty="0"/>
               <a:t>Ganchao Wei, Ian H. Stevenson</a:t>
             </a:r>
-            <a:endParaRPr dirty="0"/>
+          </a:p>
+          <a:p>
+            <a:pPr marL="0" lvl="0" indent="0" algn="l" rtl="0">
+              <a:lnSpc>
+                <a:spcPct val="100000"/>
+              </a:lnSpc>
+              <a:spcBef>
+                <a:spcPts val="0"/>
+              </a:spcBef>
+              <a:spcAft>
+                <a:spcPts val="0"/>
+              </a:spcAft>
+              <a:buSzPts val="2400"/>
+              <a:buNone/>
+            </a:pPr>
+            <a:r>
+              <a:rPr lang="en-US" sz="2000" dirty="0"/>
+              <a:t>University of Connecticut</a:t>
+            </a:r>
+            <a:endParaRPr sz="2000" dirty="0"/>
           </a:p>
         </p:txBody>
       </p:sp>
@@ -4460,8 +4480,8 @@
           </a:p>
         </p:txBody>
       </p:sp>
-      <mc:AlternateContent xmlns:mc="http://schemas.openxmlformats.org/markup-compatibility/2006">
-        <mc:Choice xmlns:a14="http://schemas.microsoft.com/office/drawing/2010/main" Requires="a14">
+      <mc:AlternateContent xmlns:mc="http://schemas.openxmlformats.org/markup-compatibility/2006" xmlns:a14="http://schemas.microsoft.com/office/drawing/2010/main">
+        <mc:Choice Requires="a14">
           <p:sp>
             <p:nvSpPr>
               <p:cNvPr id="4" name="TextBox 3">
@@ -5231,7 +5251,7 @@
             </p:txBody>
           </p:sp>
         </mc:Choice>
-        <mc:Fallback>
+        <mc:Fallback xmlns="">
           <p:sp>
             <p:nvSpPr>
               <p:cNvPr id="4" name="TextBox 3">
@@ -5514,6 +5534,7 @@
                 <a:endParaRPr lang="en-US" sz="1900" dirty="0"/>
               </a:p>
               <a:p>
+                <a:pPr/>
                 <a14:m>
                   <m:oMathPara xmlns:m="http://schemas.openxmlformats.org/officeDocument/2006/math">
                     <m:oMathParaPr>
@@ -6117,27 +6138,22 @@
                             </m:r>
                           </m:e>
                           <m:sub>
-                            <m:d>
-                              <m:dPr>
-                                <m:begChr m:val="["/>
-                                <m:endChr m:val="]"/>
-                                <m:ctrlPr>
-                                  <a:rPr lang="en-US" sz="1900" i="1">
-                                    <a:latin typeface="Cambria Math" panose="02040503050406030204" pitchFamily="18" charset="0"/>
-                                  </a:rPr>
-                                </m:ctrlPr>
-                              </m:dPr>
-                              <m:e>
-                                <m:r>
-                                  <a:rPr lang="en-US" sz="1900" i="1">
-                                    <a:latin typeface="Cambria Math" panose="02040503050406030204" pitchFamily="18" charset="0"/>
-                                    <a:ea typeface="Songti SC"/>
-                                    <a:cs typeface="Times New Roman" panose="02020603050405020304" pitchFamily="18" charset="0"/>
-                                  </a:rPr>
-                                  <m:t>𝑘</m:t>
-                                </m:r>
-                              </m:e>
-                            </m:d>
+                            <m:r>
+                              <a:rPr lang="en-US" sz="1900" b="0" i="1" smtClean="0">
+                                <a:latin typeface="Cambria Math" panose="02040503050406030204" pitchFamily="18" charset="0"/>
+                                <a:ea typeface="Songti SC"/>
+                                <a:cs typeface="Times New Roman" panose="02020603050405020304" pitchFamily="18" charset="0"/>
+                              </a:rPr>
+                              <m:t>1:</m:t>
+                            </m:r>
+                            <m:r>
+                              <a:rPr lang="en-US" sz="1900" b="0" i="1" smtClean="0">
+                                <a:latin typeface="Cambria Math" panose="02040503050406030204" pitchFamily="18" charset="0"/>
+                                <a:ea typeface="Songti SC"/>
+                                <a:cs typeface="Times New Roman" panose="02020603050405020304" pitchFamily="18" charset="0"/>
+                              </a:rPr>
+                              <m:t>𝑘</m:t>
+                            </m:r>
                           </m:sub>
                         </m:sSub>
                       </m:e>
@@ -6254,27 +6270,22 @@
                             </m:r>
                           </m:e>
                           <m:sub>
-                            <m:d>
-                              <m:dPr>
-                                <m:begChr m:val="["/>
-                                <m:endChr m:val="]"/>
-                                <m:ctrlPr>
-                                  <a:rPr lang="en-US" sz="1900" i="1">
-                                    <a:latin typeface="Cambria Math" panose="02040503050406030204" pitchFamily="18" charset="0"/>
-                                  </a:rPr>
-                                </m:ctrlPr>
-                              </m:dPr>
-                              <m:e>
-                                <m:r>
-                                  <a:rPr lang="en-US" sz="1900" i="1">
-                                    <a:latin typeface="Cambria Math" panose="02040503050406030204" pitchFamily="18" charset="0"/>
-                                    <a:ea typeface="Songti SC"/>
-                                    <a:cs typeface="Times New Roman" panose="02020603050405020304" pitchFamily="18" charset="0"/>
-                                  </a:rPr>
-                                  <m:t>𝑘</m:t>
-                                </m:r>
-                              </m:e>
-                            </m:d>
+                            <m:r>
+                              <a:rPr lang="en-US" sz="1900" b="0" i="1" smtClean="0">
+                                <a:latin typeface="Cambria Math" panose="02040503050406030204" pitchFamily="18" charset="0"/>
+                                <a:ea typeface="Songti SC"/>
+                                <a:cs typeface="Times New Roman" panose="02020603050405020304" pitchFamily="18" charset="0"/>
+                              </a:rPr>
+                              <m:t>1:</m:t>
+                            </m:r>
+                            <m:r>
+                              <a:rPr lang="en-US" sz="1900" b="0" i="1" smtClean="0">
+                                <a:latin typeface="Cambria Math" panose="02040503050406030204" pitchFamily="18" charset="0"/>
+                                <a:ea typeface="Songti SC"/>
+                                <a:cs typeface="Times New Roman" panose="02020603050405020304" pitchFamily="18" charset="0"/>
+                              </a:rPr>
+                              <m:t>𝑘</m:t>
+                            </m:r>
                           </m:sub>
                         </m:sSub>
                       </m:e>
@@ -6346,35 +6357,30 @@
                             </m:r>
                           </m:e>
                           <m:sub>
-                            <m:d>
-                              <m:dPr>
-                                <m:begChr m:val="["/>
-                                <m:endChr m:val="]"/>
-                                <m:ctrlPr>
-                                  <a:rPr lang="en-US" sz="1900" i="1">
-                                    <a:latin typeface="Cambria Math" panose="02040503050406030204" pitchFamily="18" charset="0"/>
-                                  </a:rPr>
-                                </m:ctrlPr>
-                              </m:dPr>
-                              <m:e>
-                                <m:r>
-                                  <a:rPr lang="en-US" sz="1900" i="1">
-                                    <a:latin typeface="Cambria Math" panose="02040503050406030204" pitchFamily="18" charset="0"/>
-                                    <a:ea typeface="Songti SC"/>
-                                    <a:cs typeface="Times New Roman" panose="02020603050405020304" pitchFamily="18" charset="0"/>
-                                  </a:rPr>
-                                  <m:t>𝑘</m:t>
-                                </m:r>
-                                <m:r>
-                                  <a:rPr lang="en-US" sz="1900" i="1">
-                                    <a:latin typeface="Cambria Math" panose="02040503050406030204" pitchFamily="18" charset="0"/>
-                                    <a:ea typeface="Songti SC"/>
-                                    <a:cs typeface="Times New Roman" panose="02020603050405020304" pitchFamily="18" charset="0"/>
-                                  </a:rPr>
-                                  <m:t>−1</m:t>
-                                </m:r>
-                              </m:e>
-                            </m:d>
+                            <m:r>
+                              <a:rPr lang="en-US" sz="1900" b="0" i="1" smtClean="0">
+                                <a:latin typeface="Cambria Math" panose="02040503050406030204" pitchFamily="18" charset="0"/>
+                                <a:ea typeface="Songti SC"/>
+                                <a:cs typeface="Times New Roman" panose="02020603050405020304" pitchFamily="18" charset="0"/>
+                              </a:rPr>
+                              <m:t>1:</m:t>
+                            </m:r>
+                            <m:r>
+                              <a:rPr lang="en-US" sz="1900" b="0" i="1" smtClean="0">
+                                <a:latin typeface="Cambria Math" panose="02040503050406030204" pitchFamily="18" charset="0"/>
+                                <a:ea typeface="Songti SC"/>
+                                <a:cs typeface="Times New Roman" panose="02020603050405020304" pitchFamily="18" charset="0"/>
+                              </a:rPr>
+                              <m:t>𝑘</m:t>
+                            </m:r>
+                            <m:r>
+                              <a:rPr lang="en-US" sz="1900" b="0" i="1" smtClean="0">
+                                <a:latin typeface="Cambria Math" panose="02040503050406030204" pitchFamily="18" charset="0"/>
+                                <a:ea typeface="Songti SC"/>
+                                <a:cs typeface="Times New Roman" panose="02020603050405020304" pitchFamily="18" charset="0"/>
+                              </a:rPr>
+                              <m:t>−1</m:t>
+                            </m:r>
                           </m:sub>
                         </m:sSub>
                       </m:e>
@@ -6444,7 +6450,7 @@
               <a:blipFill>
                 <a:blip r:embed="rId2"/>
                 <a:stretch>
-                  <a:fillRect l="-693" t="-1193" b="-2386"/>
+                  <a:fillRect l="-693" t="-1193" b="-994"/>
                 </a:stretch>
               </a:blipFill>
             </p:spPr>
@@ -6566,8 +6572,8 @@
           </a:p>
         </p:txBody>
       </p:sp>
-      <mc:AlternateContent xmlns:mc="http://schemas.openxmlformats.org/markup-compatibility/2006">
-        <mc:Choice xmlns:a14="http://schemas.microsoft.com/office/drawing/2010/main" Requires="a14">
+      <mc:AlternateContent xmlns:mc="http://schemas.openxmlformats.org/markup-compatibility/2006" xmlns:a14="http://schemas.microsoft.com/office/drawing/2010/main">
+        <mc:Choice Requires="a14">
           <p:sp>
             <p:nvSpPr>
               <p:cNvPr id="4" name="TextBox 3">
@@ -9064,7 +9070,7 @@
             </p:txBody>
           </p:sp>
         </mc:Choice>
-        <mc:Fallback>
+        <mc:Fallback xmlns="">
           <p:sp>
             <p:nvSpPr>
               <p:cNvPr id="4" name="TextBox 3">
@@ -9212,8 +9218,8 @@
           </a:p>
         </p:txBody>
       </p:sp>
-      <mc:AlternateContent xmlns:mc="http://schemas.openxmlformats.org/markup-compatibility/2006">
-        <mc:Choice xmlns:a14="http://schemas.microsoft.com/office/drawing/2010/main" Requires="a14">
+      <mc:AlternateContent xmlns:mc="http://schemas.openxmlformats.org/markup-compatibility/2006" xmlns:a14="http://schemas.microsoft.com/office/drawing/2010/main">
+        <mc:Choice Requires="a14">
           <p:sp>
             <p:nvSpPr>
               <p:cNvPr id="4" name="TextBox 3">
@@ -9389,7 +9395,7 @@
             </p:txBody>
           </p:sp>
         </mc:Choice>
-        <mc:Fallback>
+        <mc:Fallback xmlns="">
           <p:sp>
             <p:nvSpPr>
               <p:cNvPr id="4" name="TextBox 3">
@@ -9613,7 +9619,7 @@
           <p:cNvPr id="2" name="Slide Number Placeholder 1">
             <a:extLst>
               <a:ext uri="{FF2B5EF4-FFF2-40B4-BE49-F238E27FC236}">
-                <a16:creationId xmlns:a16="http://schemas.microsoft.com/office/drawing/2014/main" id="{48FBBFD0-42EC-427B-AEC6-DDF009B2CA73}"/>
+                <a16:creationId xmlns:a16="http://schemas.microsoft.com/office/drawing/2014/main" id="{A899D9DB-B632-4A3F-A368-74A7C70C7DB8}"/>
               </a:ext>
             </a:extLst>
           </p:cNvPr>
@@ -9651,7 +9657,7 @@
           <p:cNvPr id="3" name="TextBox 2">
             <a:extLst>
               <a:ext uri="{FF2B5EF4-FFF2-40B4-BE49-F238E27FC236}">
-                <a16:creationId xmlns:a16="http://schemas.microsoft.com/office/drawing/2014/main" id="{4EECF718-9F64-4CB8-AADC-1148D8593B34}"/>
+                <a16:creationId xmlns:a16="http://schemas.microsoft.com/office/drawing/2014/main" id="{9BC95389-5C44-4EE1-A5BD-1FE789F19D00}"/>
               </a:ext>
             </a:extLst>
           </p:cNvPr>
@@ -9661,7 +9667,7 @@
         <p:spPr>
           <a:xfrm>
             <a:off x="345057" y="293542"/>
-            <a:ext cx="4180953" cy="523220"/>
+            <a:ext cx="6760184" cy="523220"/>
           </a:xfrm>
           <a:prstGeom prst="rect">
             <a:avLst/>
@@ -9676,17 +9682,17 @@
           <a:p>
             <a:r>
               <a:rPr lang="en-US" sz="2800" b="1" dirty="0"/>
-              <a:t>Application (2): V1 data</a:t>
+              <a:t>Application (2): V1 data (observations)</a:t>
             </a:r>
           </a:p>
         </p:txBody>
       </p:sp>
       <p:pic>
         <p:nvPicPr>
-          <p:cNvPr id="6" name="Picture 5" descr="Graphical user interface&#10;&#10;Description automatically generated">
+          <p:cNvPr id="4" name="Picture 3">
             <a:extLst>
               <a:ext uri="{FF2B5EF4-FFF2-40B4-BE49-F238E27FC236}">
-                <a16:creationId xmlns:a16="http://schemas.microsoft.com/office/drawing/2014/main" id="{52E77801-4C14-4206-B2BC-E489011E3C1C}"/>
+                <a16:creationId xmlns:a16="http://schemas.microsoft.com/office/drawing/2014/main" id="{EAB4F9CF-EB5E-4589-B4C8-5D36D81E6DC4}"/>
               </a:ext>
             </a:extLst>
           </p:cNvPr>
@@ -9696,64 +9702,38 @@
           <p:nvPr/>
         </p:nvPicPr>
         <p:blipFill>
-          <a:blip r:embed="rId2"/>
+          <a:blip r:embed="rId2">
+            <a:extLst>
+              <a:ext uri="{28A0092B-C50C-407E-A947-70E740481C1C}">
+                <a14:useLocalDpi xmlns:a14="http://schemas.microsoft.com/office/drawing/2010/main" val="0"/>
+              </a:ext>
+            </a:extLst>
+          </a:blip>
+          <a:srcRect/>
           <a:stretch>
             <a:fillRect/>
           </a:stretch>
         </p:blipFill>
-        <p:spPr>
+        <p:spPr bwMode="auto">
           <a:xfrm>
-            <a:off x="0" y="1205038"/>
-            <a:ext cx="4824593" cy="3616287"/>
-          </a:xfrm>
-          <a:prstGeom prst="rect">
-            <a:avLst/>
-          </a:prstGeom>
-        </p:spPr>
-      </p:pic>
-      <p:sp>
-        <p:nvSpPr>
-          <p:cNvPr id="7" name="TextBox 6">
-            <a:extLst>
-              <a:ext uri="{FF2B5EF4-FFF2-40B4-BE49-F238E27FC236}">
-                <a16:creationId xmlns:a16="http://schemas.microsoft.com/office/drawing/2014/main" id="{FBFDDD33-B6C2-433E-8744-72B27E3EAF01}"/>
-              </a:ext>
-            </a:extLst>
-          </p:cNvPr>
-          <p:cNvSpPr txBox="1"/>
-          <p:nvPr/>
-        </p:nvSpPr>
-        <p:spPr>
-          <a:xfrm>
-            <a:off x="935245" y="879895"/>
-            <a:ext cx="2955983" cy="384721"/>
+            <a:off x="0" y="1385574"/>
+            <a:ext cx="4582824" cy="3435751"/>
           </a:xfrm>
           <a:prstGeom prst="rect">
             <a:avLst/>
           </a:prstGeom>
           <a:noFill/>
+          <a:ln>
+            <a:noFill/>
+          </a:ln>
         </p:spPr>
-        <p:txBody>
-          <a:bodyPr wrap="square" rtlCol="0">
-            <a:spAutoFit/>
-          </a:bodyPr>
-          <a:lstStyle/>
-          <a:p>
-            <a:r>
-              <a:rPr lang="en-US" sz="1900" dirty="0">
-                <a:sym typeface="Wingdings" panose="05000000000000000000" pitchFamily="2" charset="2"/>
-              </a:rPr>
-              <a:t>Use half data in each trial</a:t>
-            </a:r>
-          </a:p>
-        </p:txBody>
-      </p:sp>
+      </p:pic>
       <p:pic>
         <p:nvPicPr>
-          <p:cNvPr id="8" name="Picture 7">
+          <p:cNvPr id="5" name="Picture 4">
             <a:extLst>
               <a:ext uri="{FF2B5EF4-FFF2-40B4-BE49-F238E27FC236}">
-                <a16:creationId xmlns:a16="http://schemas.microsoft.com/office/drawing/2014/main" id="{0F94A11D-FD9D-4906-B1AB-AAFB771664A1}"/>
+                <a16:creationId xmlns:a16="http://schemas.microsoft.com/office/drawing/2014/main" id="{9F5EBC81-9625-4417-AF73-51FA4821D449}"/>
               </a:ext>
             </a:extLst>
           </p:cNvPr>
@@ -9777,8 +9757,8 @@
         </p:blipFill>
         <p:spPr bwMode="auto">
           <a:xfrm>
-            <a:off x="4485531" y="1253899"/>
-            <a:ext cx="4824593" cy="3618876"/>
+            <a:off x="4561176" y="1385574"/>
+            <a:ext cx="4582824" cy="3435751"/>
           </a:xfrm>
           <a:prstGeom prst="rect">
             <a:avLst/>
@@ -9791,10 +9771,10 @@
       </p:pic>
       <p:sp>
         <p:nvSpPr>
-          <p:cNvPr id="9" name="TextBox 8">
+          <p:cNvPr id="6" name="TextBox 5">
             <a:extLst>
               <a:ext uri="{FF2B5EF4-FFF2-40B4-BE49-F238E27FC236}">
-                <a16:creationId xmlns:a16="http://schemas.microsoft.com/office/drawing/2014/main" id="{F515E79F-595E-4695-B482-86C085167912}"/>
+                <a16:creationId xmlns:a16="http://schemas.microsoft.com/office/drawing/2014/main" id="{21BDC466-E2A6-4781-97CF-76FA10E70C8C}"/>
               </a:ext>
             </a:extLst>
           </p:cNvPr>
@@ -9803,8 +9783,8 @@
         </p:nvSpPr>
         <p:spPr>
           <a:xfrm>
-            <a:off x="5574783" y="879895"/>
-            <a:ext cx="2646088" cy="384721"/>
+            <a:off x="120771" y="1193213"/>
+            <a:ext cx="4641010" cy="384721"/>
           </a:xfrm>
           <a:prstGeom prst="rect">
             <a:avLst/>
@@ -9821,7 +9801,44 @@
               <a:rPr lang="en-US" sz="1900" dirty="0">
                 <a:sym typeface="Wingdings" panose="05000000000000000000" pitchFamily="2" charset="2"/>
               </a:rPr>
-              <a:t>Results for 71 neurons</a:t>
+              <a:t>Mean-variance relation ship across trials</a:t>
+            </a:r>
+          </a:p>
+        </p:txBody>
+      </p:sp>
+      <p:sp>
+        <p:nvSpPr>
+          <p:cNvPr id="7" name="TextBox 6">
+            <a:extLst>
+              <a:ext uri="{FF2B5EF4-FFF2-40B4-BE49-F238E27FC236}">
+                <a16:creationId xmlns:a16="http://schemas.microsoft.com/office/drawing/2014/main" id="{729C0B9E-93D0-4AAB-8F11-5A45CEB63E8B}"/>
+              </a:ext>
+            </a:extLst>
+          </p:cNvPr>
+          <p:cNvSpPr txBox="1"/>
+          <p:nvPr/>
+        </p:nvSpPr>
+        <p:spPr>
+          <a:xfrm>
+            <a:off x="5613235" y="1193213"/>
+            <a:ext cx="2478706" cy="384721"/>
+          </a:xfrm>
+          <a:prstGeom prst="rect">
+            <a:avLst/>
+          </a:prstGeom>
+          <a:noFill/>
+        </p:spPr>
+        <p:txBody>
+          <a:bodyPr wrap="square" rtlCol="0">
+            <a:spAutoFit/>
+          </a:bodyPr>
+          <a:lstStyle/>
+          <a:p>
+            <a:r>
+              <a:rPr lang="en-US" sz="1900" dirty="0">
+                <a:sym typeface="Wingdings" panose="05000000000000000000" pitchFamily="2" charset="2"/>
+              </a:rPr>
+              <a:t>Average tuning curve</a:t>
             </a:r>
           </a:p>
         </p:txBody>
@@ -9829,7 +9846,266 @@
     </p:spTree>
     <p:extLst>
       <p:ext uri="{BB962C8B-B14F-4D97-AF65-F5344CB8AC3E}">
-        <p14:creationId xmlns:p14="http://schemas.microsoft.com/office/powerpoint/2010/main" val="3546142891"/>
+        <p14:creationId xmlns:p14="http://schemas.microsoft.com/office/powerpoint/2010/main" val="3343114637"/>
+      </p:ext>
+    </p:extLst>
+  </p:cSld>
+  <p:clrMapOvr>
+    <a:masterClrMapping/>
+  </p:clrMapOvr>
+</p:sld>
+</file>
+
+<file path=ppt/slides/slide9.xml><?xml version="1.0" encoding="utf-8"?>
+<p:sld xmlns:a="http://schemas.openxmlformats.org/drawingml/2006/main" xmlns:r="http://schemas.openxmlformats.org/officeDocument/2006/relationships" xmlns:p="http://schemas.openxmlformats.org/presentationml/2006/main">
+  <p:cSld>
+    <p:spTree>
+      <p:nvGrpSpPr>
+        <p:cNvPr id="1" name=""/>
+        <p:cNvGrpSpPr/>
+        <p:nvPr/>
+      </p:nvGrpSpPr>
+      <p:grpSpPr>
+        <a:xfrm>
+          <a:off x="0" y="0"/>
+          <a:ext cx="0" cy="0"/>
+          <a:chOff x="0" y="0"/>
+          <a:chExt cx="0" cy="0"/>
+        </a:xfrm>
+      </p:grpSpPr>
+      <p:sp>
+        <p:nvSpPr>
+          <p:cNvPr id="2" name="Slide Number Placeholder 1">
+            <a:extLst>
+              <a:ext uri="{FF2B5EF4-FFF2-40B4-BE49-F238E27FC236}">
+                <a16:creationId xmlns:a16="http://schemas.microsoft.com/office/drawing/2014/main" id="{7C49200E-EB77-4D10-8BEA-570987A75BD2}"/>
+              </a:ext>
+            </a:extLst>
+          </p:cNvPr>
+          <p:cNvSpPr>
+            <a:spLocks noGrp="1"/>
+          </p:cNvSpPr>
+          <p:nvPr>
+            <p:ph type="sldNum" idx="12"/>
+          </p:nvPr>
+        </p:nvSpPr>
+        <p:spPr/>
+        <p:txBody>
+          <a:bodyPr/>
+          <a:lstStyle/>
+          <a:p>
+            <a:pPr marL="0" lvl="0" indent="0" algn="r" rtl="0">
+              <a:spcBef>
+                <a:spcPts val="0"/>
+              </a:spcBef>
+              <a:spcAft>
+                <a:spcPts val="0"/>
+              </a:spcAft>
+              <a:buNone/>
+            </a:pPr>
+            <a:fld id="{00000000-1234-1234-1234-123412341234}" type="slidenum">
+              <a:rPr lang="en-US" smtClean="0"/>
+              <a:t>9</a:t>
+            </a:fld>
+            <a:endParaRPr lang="en-US"/>
+          </a:p>
+        </p:txBody>
+      </p:sp>
+      <p:sp>
+        <p:nvSpPr>
+          <p:cNvPr id="3" name="TextBox 2">
+            <a:extLst>
+              <a:ext uri="{FF2B5EF4-FFF2-40B4-BE49-F238E27FC236}">
+                <a16:creationId xmlns:a16="http://schemas.microsoft.com/office/drawing/2014/main" id="{15A9467C-053A-401C-A7F7-5E8E2C179BF8}"/>
+              </a:ext>
+            </a:extLst>
+          </p:cNvPr>
+          <p:cNvSpPr txBox="1"/>
+          <p:nvPr/>
+        </p:nvSpPr>
+        <p:spPr>
+          <a:xfrm>
+            <a:off x="345057" y="293542"/>
+            <a:ext cx="6776214" cy="523220"/>
+          </a:xfrm>
+          <a:prstGeom prst="rect">
+            <a:avLst/>
+          </a:prstGeom>
+          <a:noFill/>
+        </p:spPr>
+        <p:txBody>
+          <a:bodyPr wrap="none" rtlCol="0">
+            <a:spAutoFit/>
+          </a:bodyPr>
+          <a:lstStyle/>
+          <a:p>
+            <a:r>
+              <a:rPr lang="en-US" sz="2800" b="1" dirty="0"/>
+              <a:t>Application (2): V1 data (model fitting)</a:t>
+            </a:r>
+          </a:p>
+        </p:txBody>
+      </p:sp>
+      <p:pic>
+        <p:nvPicPr>
+          <p:cNvPr id="4" name="Picture 3">
+            <a:extLst>
+              <a:ext uri="{FF2B5EF4-FFF2-40B4-BE49-F238E27FC236}">
+                <a16:creationId xmlns:a16="http://schemas.microsoft.com/office/drawing/2014/main" id="{501F014D-B31A-4A30-96CD-0563537B8CF8}"/>
+              </a:ext>
+            </a:extLst>
+          </p:cNvPr>
+          <p:cNvPicPr>
+            <a:picLocks noChangeAspect="1"/>
+          </p:cNvPicPr>
+          <p:nvPr/>
+        </p:nvPicPr>
+        <p:blipFill>
+          <a:blip r:embed="rId2">
+            <a:extLst>
+              <a:ext uri="{28A0092B-C50C-407E-A947-70E740481C1C}">
+                <a14:useLocalDpi xmlns:a14="http://schemas.microsoft.com/office/drawing/2010/main" val="0"/>
+              </a:ext>
+            </a:extLst>
+          </a:blip>
+          <a:srcRect/>
+          <a:stretch>
+            <a:fillRect/>
+          </a:stretch>
+        </p:blipFill>
+        <p:spPr bwMode="auto">
+          <a:xfrm>
+            <a:off x="245578" y="1723089"/>
+            <a:ext cx="4096385" cy="3072130"/>
+          </a:xfrm>
+          <a:prstGeom prst="rect">
+            <a:avLst/>
+          </a:prstGeom>
+          <a:noFill/>
+          <a:ln>
+            <a:noFill/>
+          </a:ln>
+        </p:spPr>
+      </p:pic>
+      <p:pic>
+        <p:nvPicPr>
+          <p:cNvPr id="5" name="Picture 4">
+            <a:extLst>
+              <a:ext uri="{FF2B5EF4-FFF2-40B4-BE49-F238E27FC236}">
+                <a16:creationId xmlns:a16="http://schemas.microsoft.com/office/drawing/2014/main" id="{84748E5C-08AC-4213-A7C1-494995EB6705}"/>
+              </a:ext>
+            </a:extLst>
+          </p:cNvPr>
+          <p:cNvPicPr>
+            <a:picLocks noChangeAspect="1"/>
+          </p:cNvPicPr>
+          <p:nvPr/>
+        </p:nvPicPr>
+        <p:blipFill>
+          <a:blip r:embed="rId3">
+            <a:extLst>
+              <a:ext uri="{28A0092B-C50C-407E-A947-70E740481C1C}">
+                <a14:useLocalDpi xmlns:a14="http://schemas.microsoft.com/office/drawing/2010/main" val="0"/>
+              </a:ext>
+            </a:extLst>
+          </a:blip>
+          <a:srcRect/>
+          <a:stretch>
+            <a:fillRect/>
+          </a:stretch>
+        </p:blipFill>
+        <p:spPr bwMode="auto">
+          <a:xfrm>
+            <a:off x="4341962" y="1723089"/>
+            <a:ext cx="4130488" cy="3098236"/>
+          </a:xfrm>
+          <a:prstGeom prst="rect">
+            <a:avLst/>
+          </a:prstGeom>
+          <a:noFill/>
+          <a:ln>
+            <a:noFill/>
+          </a:ln>
+        </p:spPr>
+      </p:pic>
+      <p:sp>
+        <p:nvSpPr>
+          <p:cNvPr id="6" name="TextBox 5">
+            <a:extLst>
+              <a:ext uri="{FF2B5EF4-FFF2-40B4-BE49-F238E27FC236}">
+                <a16:creationId xmlns:a16="http://schemas.microsoft.com/office/drawing/2014/main" id="{114A6A3D-8C89-4FC4-A0C3-919EC1D8A66D}"/>
+              </a:ext>
+            </a:extLst>
+          </p:cNvPr>
+          <p:cNvSpPr txBox="1"/>
+          <p:nvPr/>
+        </p:nvSpPr>
+        <p:spPr>
+          <a:xfrm>
+            <a:off x="815778" y="1388588"/>
+            <a:ext cx="2955983" cy="384721"/>
+          </a:xfrm>
+          <a:prstGeom prst="rect">
+            <a:avLst/>
+          </a:prstGeom>
+          <a:noFill/>
+        </p:spPr>
+        <p:txBody>
+          <a:bodyPr wrap="square" rtlCol="0">
+            <a:spAutoFit/>
+          </a:bodyPr>
+          <a:lstStyle/>
+          <a:p>
+            <a:r>
+              <a:rPr lang="en-US" sz="1900" dirty="0">
+                <a:sym typeface="Wingdings" panose="05000000000000000000" pitchFamily="2" charset="2"/>
+              </a:rPr>
+              <a:t>Use half data in each trial</a:t>
+            </a:r>
+          </a:p>
+        </p:txBody>
+      </p:sp>
+      <p:sp>
+        <p:nvSpPr>
+          <p:cNvPr id="7" name="TextBox 6">
+            <a:extLst>
+              <a:ext uri="{FF2B5EF4-FFF2-40B4-BE49-F238E27FC236}">
+                <a16:creationId xmlns:a16="http://schemas.microsoft.com/office/drawing/2014/main" id="{C69B555C-8C0A-493F-AA92-35A152BDDDF3}"/>
+              </a:ext>
+            </a:extLst>
+          </p:cNvPr>
+          <p:cNvSpPr txBox="1"/>
+          <p:nvPr/>
+        </p:nvSpPr>
+        <p:spPr>
+          <a:xfrm>
+            <a:off x="4802039" y="1391199"/>
+            <a:ext cx="3670411" cy="384721"/>
+          </a:xfrm>
+          <a:prstGeom prst="rect">
+            <a:avLst/>
+          </a:prstGeom>
+          <a:noFill/>
+        </p:spPr>
+        <p:txBody>
+          <a:bodyPr wrap="square" rtlCol="0">
+            <a:spAutoFit/>
+          </a:bodyPr>
+          <a:lstStyle/>
+          <a:p>
+            <a:r>
+              <a:rPr lang="en-US" sz="1900" dirty="0">
+                <a:sym typeface="Wingdings" panose="05000000000000000000" pitchFamily="2" charset="2"/>
+              </a:rPr>
+              <a:t>Different models for 74 neurons</a:t>
+            </a:r>
+          </a:p>
+        </p:txBody>
+      </p:sp>
+    </p:spTree>
+    <p:extLst>
+      <p:ext uri="{BB962C8B-B14F-4D97-AF65-F5344CB8AC3E}">
+        <p14:creationId xmlns:p14="http://schemas.microsoft.com/office/powerpoint/2010/main" val="588473645"/>
       </p:ext>
     </p:extLst>
   </p:cSld>

--- a/documents/NMC/NMC4_splash_slide.pptx
+++ b/documents/NMC/NMC4_splash_slide.pptx
@@ -5440,8 +5440,8 @@
           </a:p>
         </p:txBody>
       </p:sp>
-      <mc:AlternateContent xmlns:mc="http://schemas.openxmlformats.org/markup-compatibility/2006">
-        <mc:Choice xmlns:a14="http://schemas.microsoft.com/office/drawing/2010/main" Requires="a14">
+      <mc:AlternateContent xmlns:mc="http://schemas.openxmlformats.org/markup-compatibility/2006" xmlns:a14="http://schemas.microsoft.com/office/drawing/2010/main">
+        <mc:Choice Requires="a14">
           <p:sp>
             <p:nvSpPr>
               <p:cNvPr id="4" name="TextBox 3">
@@ -6424,7 +6424,7 @@
             </p:txBody>
           </p:sp>
         </mc:Choice>
-        <mc:Fallback>
+        <mc:Fallback xmlns="">
           <p:sp>
             <p:nvSpPr>
               <p:cNvPr id="4" name="TextBox 3">
@@ -9687,88 +9687,6 @@
           </a:p>
         </p:txBody>
       </p:sp>
-      <p:pic>
-        <p:nvPicPr>
-          <p:cNvPr id="4" name="Picture 3">
-            <a:extLst>
-              <a:ext uri="{FF2B5EF4-FFF2-40B4-BE49-F238E27FC236}">
-                <a16:creationId xmlns:a16="http://schemas.microsoft.com/office/drawing/2014/main" id="{EAB4F9CF-EB5E-4589-B4C8-5D36D81E6DC4}"/>
-              </a:ext>
-            </a:extLst>
-          </p:cNvPr>
-          <p:cNvPicPr>
-            <a:picLocks noChangeAspect="1"/>
-          </p:cNvPicPr>
-          <p:nvPr/>
-        </p:nvPicPr>
-        <p:blipFill>
-          <a:blip r:embed="rId2">
-            <a:extLst>
-              <a:ext uri="{28A0092B-C50C-407E-A947-70E740481C1C}">
-                <a14:useLocalDpi xmlns:a14="http://schemas.microsoft.com/office/drawing/2010/main" val="0"/>
-              </a:ext>
-            </a:extLst>
-          </a:blip>
-          <a:srcRect/>
-          <a:stretch>
-            <a:fillRect/>
-          </a:stretch>
-        </p:blipFill>
-        <p:spPr bwMode="auto">
-          <a:xfrm>
-            <a:off x="0" y="1385574"/>
-            <a:ext cx="4582824" cy="3435751"/>
-          </a:xfrm>
-          <a:prstGeom prst="rect">
-            <a:avLst/>
-          </a:prstGeom>
-          <a:noFill/>
-          <a:ln>
-            <a:noFill/>
-          </a:ln>
-        </p:spPr>
-      </p:pic>
-      <p:pic>
-        <p:nvPicPr>
-          <p:cNvPr id="5" name="Picture 4">
-            <a:extLst>
-              <a:ext uri="{FF2B5EF4-FFF2-40B4-BE49-F238E27FC236}">
-                <a16:creationId xmlns:a16="http://schemas.microsoft.com/office/drawing/2014/main" id="{9F5EBC81-9625-4417-AF73-51FA4821D449}"/>
-              </a:ext>
-            </a:extLst>
-          </p:cNvPr>
-          <p:cNvPicPr>
-            <a:picLocks noChangeAspect="1"/>
-          </p:cNvPicPr>
-          <p:nvPr/>
-        </p:nvPicPr>
-        <p:blipFill>
-          <a:blip r:embed="rId3">
-            <a:extLst>
-              <a:ext uri="{28A0092B-C50C-407E-A947-70E740481C1C}">
-                <a14:useLocalDpi xmlns:a14="http://schemas.microsoft.com/office/drawing/2010/main" val="0"/>
-              </a:ext>
-            </a:extLst>
-          </a:blip>
-          <a:srcRect/>
-          <a:stretch>
-            <a:fillRect/>
-          </a:stretch>
-        </p:blipFill>
-        <p:spPr bwMode="auto">
-          <a:xfrm>
-            <a:off x="4561176" y="1385574"/>
-            <a:ext cx="4582824" cy="3435751"/>
-          </a:xfrm>
-          <a:prstGeom prst="rect">
-            <a:avLst/>
-          </a:prstGeom>
-          <a:noFill/>
-          <a:ln>
-            <a:noFill/>
-          </a:ln>
-        </p:spPr>
-      </p:pic>
       <p:sp>
         <p:nvSpPr>
           <p:cNvPr id="6" name="TextBox 5">
@@ -9843,6 +9761,88 @@
           </a:p>
         </p:txBody>
       </p:sp>
+      <p:pic>
+        <p:nvPicPr>
+          <p:cNvPr id="8" name="Picture 7">
+            <a:extLst>
+              <a:ext uri="{FF2B5EF4-FFF2-40B4-BE49-F238E27FC236}">
+                <a16:creationId xmlns:a16="http://schemas.microsoft.com/office/drawing/2014/main" id="{724EE771-B9DB-4E07-809D-2319CD352EA9}"/>
+              </a:ext>
+            </a:extLst>
+          </p:cNvPr>
+          <p:cNvPicPr>
+            <a:picLocks noChangeAspect="1"/>
+          </p:cNvPicPr>
+          <p:nvPr/>
+        </p:nvPicPr>
+        <p:blipFill>
+          <a:blip r:embed="rId2">
+            <a:extLst>
+              <a:ext uri="{28A0092B-C50C-407E-A947-70E740481C1C}">
+                <a14:useLocalDpi xmlns:a14="http://schemas.microsoft.com/office/drawing/2010/main" val="0"/>
+              </a:ext>
+            </a:extLst>
+          </a:blip>
+          <a:srcRect/>
+          <a:stretch>
+            <a:fillRect/>
+          </a:stretch>
+        </p:blipFill>
+        <p:spPr bwMode="auto">
+          <a:xfrm>
+            <a:off x="-126515" y="1647264"/>
+            <a:ext cx="3652279" cy="2738120"/>
+          </a:xfrm>
+          <a:prstGeom prst="rect">
+            <a:avLst/>
+          </a:prstGeom>
+          <a:noFill/>
+          <a:ln>
+            <a:noFill/>
+          </a:ln>
+        </p:spPr>
+      </p:pic>
+      <p:pic>
+        <p:nvPicPr>
+          <p:cNvPr id="9" name="Picture 8">
+            <a:extLst>
+              <a:ext uri="{FF2B5EF4-FFF2-40B4-BE49-F238E27FC236}">
+                <a16:creationId xmlns:a16="http://schemas.microsoft.com/office/drawing/2014/main" id="{D44AAFF9-7872-42A7-86F2-AD06A5A847F6}"/>
+              </a:ext>
+            </a:extLst>
+          </p:cNvPr>
+          <p:cNvPicPr>
+            <a:picLocks noChangeAspect="1"/>
+          </p:cNvPicPr>
+          <p:nvPr/>
+        </p:nvPicPr>
+        <p:blipFill>
+          <a:blip r:embed="rId3">
+            <a:extLst>
+              <a:ext uri="{28A0092B-C50C-407E-A947-70E740481C1C}">
+                <a14:useLocalDpi xmlns:a14="http://schemas.microsoft.com/office/drawing/2010/main" val="0"/>
+              </a:ext>
+            </a:extLst>
+          </a:blip>
+          <a:srcRect/>
+          <a:stretch>
+            <a:fillRect/>
+          </a:stretch>
+        </p:blipFill>
+        <p:spPr bwMode="auto">
+          <a:xfrm>
+            <a:off x="3525764" y="816762"/>
+            <a:ext cx="5322570" cy="3990340"/>
+          </a:xfrm>
+          <a:prstGeom prst="rect">
+            <a:avLst/>
+          </a:prstGeom>
+          <a:noFill/>
+          <a:ln>
+            <a:noFill/>
+          </a:ln>
+        </p:spPr>
+      </p:pic>
     </p:spTree>
     <p:extLst>
       <p:ext uri="{BB962C8B-B14F-4D97-AF65-F5344CB8AC3E}">

--- a/documents/NMC/NMC4_splash_slide.pptx
+++ b/documents/NMC/NMC4_splash_slide.pptx
@@ -9701,7 +9701,7 @@
         </p:nvSpPr>
         <p:spPr>
           <a:xfrm>
-            <a:off x="120771" y="1193213"/>
+            <a:off x="1052059" y="1193213"/>
             <a:ext cx="4641010" cy="384721"/>
           </a:xfrm>
           <a:prstGeom prst="rect">
@@ -9719,7 +9719,7 @@
               <a:rPr lang="en-US" sz="1900" dirty="0">
                 <a:sym typeface="Wingdings" panose="05000000000000000000" pitchFamily="2" charset="2"/>
               </a:rPr>
-              <a:t>Mean-variance relation ship across trials</a:t>
+              <a:t>Average tuning curves</a:t>
             </a:r>
           </a:p>
         </p:txBody>
@@ -9738,8 +9738,8 @@
         </p:nvSpPr>
         <p:spPr>
           <a:xfrm>
-            <a:off x="5613235" y="1193213"/>
-            <a:ext cx="2478706" cy="384721"/>
+            <a:off x="5123106" y="1193213"/>
+            <a:ext cx="2968835" cy="384721"/>
           </a:xfrm>
           <a:prstGeom prst="rect">
             <a:avLst/>
@@ -9756,7 +9756,7 @@
               <a:rPr lang="en-US" sz="1900" dirty="0">
                 <a:sym typeface="Wingdings" panose="05000000000000000000" pitchFamily="2" charset="2"/>
               </a:rPr>
-              <a:t>Average tuning curve</a:t>
+              <a:t>Mean and FF across trial</a:t>
             </a:r>
           </a:p>
         </p:txBody>
@@ -9790,8 +9790,8 @@
         </p:blipFill>
         <p:spPr bwMode="auto">
           <a:xfrm>
-            <a:off x="-126515" y="1647264"/>
-            <a:ext cx="3652279" cy="2738120"/>
+            <a:off x="345057" y="1658767"/>
+            <a:ext cx="4014158" cy="3009421"/>
           </a:xfrm>
           <a:prstGeom prst="rect">
             <a:avLst/>
@@ -9831,8 +9831,8 @@
         </p:blipFill>
         <p:spPr bwMode="auto">
           <a:xfrm>
-            <a:off x="3525764" y="816762"/>
-            <a:ext cx="5322570" cy="3990340"/>
+            <a:off x="4732642" y="1658768"/>
+            <a:ext cx="4014158" cy="3009421"/>
           </a:xfrm>
           <a:prstGeom prst="rect">
             <a:avLst/>
@@ -9843,6 +9843,180 @@
           </a:ln>
         </p:spPr>
       </p:pic>
+      <p:cxnSp>
+        <p:nvCxnSpPr>
+          <p:cNvPr id="5" name="Straight Arrow Connector 4">
+            <a:extLst>
+              <a:ext uri="{FF2B5EF4-FFF2-40B4-BE49-F238E27FC236}">
+                <a16:creationId xmlns:a16="http://schemas.microsoft.com/office/drawing/2014/main" id="{13665090-79C9-4980-8059-C127E17BD10D}"/>
+              </a:ext>
+            </a:extLst>
+          </p:cNvPr>
+          <p:cNvCxnSpPr/>
+          <p:nvPr/>
+        </p:nvCxnSpPr>
+        <p:spPr>
+          <a:xfrm flipV="1">
+            <a:off x="3071004" y="2283125"/>
+            <a:ext cx="2340634" cy="149524"/>
+          </a:xfrm>
+          <a:prstGeom prst="straightConnector1">
+            <a:avLst/>
+          </a:prstGeom>
+          <a:ln w="28575">
+            <a:solidFill>
+              <a:srgbClr val="FFC000"/>
+            </a:solidFill>
+            <a:tailEnd type="triangle"/>
+          </a:ln>
+        </p:spPr>
+        <p:style>
+          <a:lnRef idx="1">
+            <a:schemeClr val="accent1"/>
+          </a:lnRef>
+          <a:fillRef idx="0">
+            <a:schemeClr val="accent1"/>
+          </a:fillRef>
+          <a:effectRef idx="0">
+            <a:schemeClr val="accent1"/>
+          </a:effectRef>
+          <a:fontRef idx="minor">
+            <a:schemeClr val="tx1"/>
+          </a:fontRef>
+        </p:style>
+      </p:cxnSp>
+      <p:cxnSp>
+        <p:nvCxnSpPr>
+          <p:cNvPr id="10" name="Straight Arrow Connector 9">
+            <a:extLst>
+              <a:ext uri="{FF2B5EF4-FFF2-40B4-BE49-F238E27FC236}">
+                <a16:creationId xmlns:a16="http://schemas.microsoft.com/office/drawing/2014/main" id="{A97C4E25-A4E4-47A5-A962-B6D49B827CEC}"/>
+              </a:ext>
+            </a:extLst>
+          </p:cNvPr>
+          <p:cNvCxnSpPr>
+            <a:cxnSpLocks/>
+          </p:cNvCxnSpPr>
+          <p:nvPr/>
+        </p:nvCxnSpPr>
+        <p:spPr>
+          <a:xfrm>
+            <a:off x="3071004" y="2432649"/>
+            <a:ext cx="2340634" cy="1362974"/>
+          </a:xfrm>
+          <a:prstGeom prst="straightConnector1">
+            <a:avLst/>
+          </a:prstGeom>
+          <a:ln w="28575">
+            <a:solidFill>
+              <a:srgbClr val="FFC000"/>
+            </a:solidFill>
+            <a:tailEnd type="triangle"/>
+          </a:ln>
+        </p:spPr>
+        <p:style>
+          <a:lnRef idx="1">
+            <a:schemeClr val="accent1"/>
+          </a:lnRef>
+          <a:fillRef idx="0">
+            <a:schemeClr val="accent1"/>
+          </a:fillRef>
+          <a:effectRef idx="0">
+            <a:schemeClr val="accent1"/>
+          </a:effectRef>
+          <a:fontRef idx="minor">
+            <a:schemeClr val="tx1"/>
+          </a:fontRef>
+        </p:style>
+      </p:cxnSp>
+      <p:cxnSp>
+        <p:nvCxnSpPr>
+          <p:cNvPr id="13" name="Straight Arrow Connector 12">
+            <a:extLst>
+              <a:ext uri="{FF2B5EF4-FFF2-40B4-BE49-F238E27FC236}">
+                <a16:creationId xmlns:a16="http://schemas.microsoft.com/office/drawing/2014/main" id="{82F5FFD1-AA2F-41D5-ACFA-6E2FFE556895}"/>
+              </a:ext>
+            </a:extLst>
+          </p:cNvPr>
+          <p:cNvCxnSpPr>
+            <a:cxnSpLocks/>
+          </p:cNvCxnSpPr>
+          <p:nvPr/>
+        </p:nvCxnSpPr>
+        <p:spPr>
+          <a:xfrm flipV="1">
+            <a:off x="2329132" y="2806460"/>
+            <a:ext cx="3082506" cy="989163"/>
+          </a:xfrm>
+          <a:prstGeom prst="straightConnector1">
+            <a:avLst/>
+          </a:prstGeom>
+          <a:ln w="28575">
+            <a:solidFill>
+              <a:srgbClr val="7030A0"/>
+            </a:solidFill>
+            <a:tailEnd type="triangle"/>
+          </a:ln>
+        </p:spPr>
+        <p:style>
+          <a:lnRef idx="1">
+            <a:schemeClr val="accent1"/>
+          </a:lnRef>
+          <a:fillRef idx="0">
+            <a:schemeClr val="accent1"/>
+          </a:fillRef>
+          <a:effectRef idx="0">
+            <a:schemeClr val="accent1"/>
+          </a:effectRef>
+          <a:fontRef idx="minor">
+            <a:schemeClr val="tx1"/>
+          </a:fontRef>
+        </p:style>
+      </p:cxnSp>
+      <p:cxnSp>
+        <p:nvCxnSpPr>
+          <p:cNvPr id="16" name="Straight Arrow Connector 15">
+            <a:extLst>
+              <a:ext uri="{FF2B5EF4-FFF2-40B4-BE49-F238E27FC236}">
+                <a16:creationId xmlns:a16="http://schemas.microsoft.com/office/drawing/2014/main" id="{D23F0F84-2D2A-409C-BD2B-CA5FA9428ACF}"/>
+              </a:ext>
+            </a:extLst>
+          </p:cNvPr>
+          <p:cNvCxnSpPr>
+            <a:cxnSpLocks/>
+          </p:cNvCxnSpPr>
+          <p:nvPr/>
+        </p:nvCxnSpPr>
+        <p:spPr>
+          <a:xfrm flipV="1">
+            <a:off x="2329132" y="3628846"/>
+            <a:ext cx="3082506" cy="166777"/>
+          </a:xfrm>
+          <a:prstGeom prst="straightConnector1">
+            <a:avLst/>
+          </a:prstGeom>
+          <a:ln w="28575">
+            <a:solidFill>
+              <a:srgbClr val="7030A0"/>
+            </a:solidFill>
+            <a:tailEnd type="triangle"/>
+          </a:ln>
+        </p:spPr>
+        <p:style>
+          <a:lnRef idx="1">
+            <a:schemeClr val="accent1"/>
+          </a:lnRef>
+          <a:fillRef idx="0">
+            <a:schemeClr val="accent1"/>
+          </a:fillRef>
+          <a:effectRef idx="0">
+            <a:schemeClr val="accent1"/>
+          </a:effectRef>
+          <a:fontRef idx="minor">
+            <a:schemeClr val="tx1"/>
+          </a:fontRef>
+        </p:style>
+      </p:cxnSp>
     </p:spTree>
     <p:extLst>
       <p:ext uri="{BB962C8B-B14F-4D97-AF65-F5344CB8AC3E}">
@@ -10042,8 +10216,8 @@
         </p:nvSpPr>
         <p:spPr>
           <a:xfrm>
-            <a:off x="815778" y="1388588"/>
-            <a:ext cx="2955983" cy="384721"/>
+            <a:off x="671550" y="1388059"/>
+            <a:ext cx="3179414" cy="384721"/>
           </a:xfrm>
           <a:prstGeom prst="rect">
             <a:avLst/>
@@ -10060,7 +10234,7 @@
               <a:rPr lang="en-US" sz="1900" dirty="0">
                 <a:sym typeface="Wingdings" panose="05000000000000000000" pitchFamily="2" charset="2"/>
               </a:rPr>
-              <a:t>Use half data in each trial</a:t>
+              <a:t>Fitted results by training set</a:t>
             </a:r>
           </a:p>
         </p:txBody>
